--- a/course-website/course-files/slides/L03_ Intro to HTML.pptx
+++ b/course-website/course-files/slides/L03_ Intro to HTML.pptx
@@ -69,7 +69,7 @@
       <p:boldItalic r:id="rId46"/>
     </p:embeddedFont>
     <p:embeddedFont>
-      <p:font typeface="Source Code Pro" panose="020F0502020204030204" pitchFamily="34" charset="0"/>
+      <p:font typeface="Source Code Pro" panose="020B0509030403020204" pitchFamily="49" charset="0"/>
       <p:regular r:id="rId47"/>
       <p:bold r:id="rId48"/>
       <p:italic r:id="rId49"/>
@@ -305,6 +305,11 @@
       </a:defRPr>
     </a:lvl9pPr>
   </p:defaultTextStyle>
+  <p:extLst>
+    <p:ext uri="{EFAFB233-063F-42B5-8137-9DF3F51BA10A}">
+      <p15:sldGuideLst xmlns:p15="http://schemas.microsoft.com/office/powerpoint/2012/main"/>
+    </p:ext>
+  </p:extLst>
 </p:presentation>
 </file>
 
@@ -1954,7 +1959,7 @@
         </p:nvSpPr>
         <p:spPr>
           <a:xfrm>
-            <a:off x="381300" y="685800"/>
+            <a:off x="381000" y="685800"/>
             <a:ext cx="6096000" cy="3429000"/>
           </a:xfrm>
           <a:custGeom>
@@ -16294,19 +16299,9 @@
               <a:buAutoNum type="arabicPeriod"/>
             </a:pPr>
             <a:r>
-              <a:rPr lang="en" u="sng">
-                <a:solidFill>
-                  <a:schemeClr val="hlink"/>
-                </a:solidFill>
-                <a:hlinkClick r:id="rId3"/>
-              </a:rPr>
-              <a:t>Tutorial</a:t>
-            </a:r>
-            <a:r>
-              <a:rPr lang="en"/>
-              <a:t> this Friday</a:t>
-            </a:r>
-            <a:endParaRPr/>
+              <a:rPr lang="en-US" dirty="0"/>
+              <a:t>Tutorial 2 this Friday</a:t>
+            </a:r>
           </a:p>
           <a:p>
             <a:pPr marL="457200" lvl="0" indent="-342900" algn="l" rtl="0">
@@ -16321,10 +16316,10 @@
               <a:buAutoNum type="arabicPeriod"/>
             </a:pPr>
             <a:r>
-              <a:rPr lang="en"/>
+              <a:rPr lang="en" dirty="0"/>
               <a:t>Assigned readings:</a:t>
             </a:r>
-            <a:endParaRPr/>
+            <a:endParaRPr dirty="0"/>
           </a:p>
           <a:p>
             <a:pPr marL="914400" lvl="1" indent="-342900" algn="l" rtl="0">
@@ -16339,19 +16334,10 @@
               <a:buAutoNum type="alphaLcPeriod"/>
             </a:pPr>
             <a:r>
-              <a:rPr lang="en" sz="1600" u="sng">
-                <a:solidFill>
-                  <a:schemeClr val="hlink"/>
-                </a:solidFill>
-                <a:hlinkClick r:id="rId4"/>
-              </a:rPr>
-              <a:t>Intro to HTML</a:t>
-            </a:r>
-            <a:r>
-              <a:rPr lang="en" sz="1600"/>
-              <a:t> (for today)</a:t>
-            </a:r>
-            <a:endParaRPr sz="1600"/>
+              <a:rPr lang="en" sz="1600" dirty="0"/>
+              <a:t>Intro to HTML(for today) – Topic 3</a:t>
+            </a:r>
+            <a:endParaRPr sz="1600" dirty="0"/>
           </a:p>
           <a:p>
             <a:pPr marL="457200" lvl="0" indent="-342900" algn="l" rtl="0">
@@ -16366,10 +16352,10 @@
               <a:buAutoNum type="arabicPeriod"/>
             </a:pPr>
             <a:r>
-              <a:rPr lang="en"/>
+              <a:rPr lang="en" dirty="0"/>
               <a:t>Please open today’s slides on your computer (you can get to them from the Moodle) – you’ll need them for today’s activity.</a:t>
             </a:r>
-            <a:endParaRPr/>
+            <a:endParaRPr dirty="0"/>
           </a:p>
         </p:txBody>
       </p:sp>
@@ -21910,7 +21896,7 @@
         </p:spPr>
         <p:txBody>
           <a:bodyPr spcFirstLastPara="1" wrap="square" lIns="91425" tIns="91425" rIns="91425" bIns="91425" anchor="t" anchorCtr="0">
-            <a:normAutofit lnSpcReduction="10000"/>
+            <a:normAutofit/>
           </a:bodyPr>
           <a:lstStyle/>
           <a:p>
@@ -21924,10 +21910,10 @@
               <a:buNone/>
             </a:pPr>
             <a:r>
-              <a:rPr lang="en" b="1"/>
+              <a:rPr lang="en" b="1" dirty="0"/>
               <a:t>HTML</a:t>
             </a:r>
-            <a:endParaRPr b="1"/>
+            <a:endParaRPr b="1" dirty="0"/>
           </a:p>
           <a:p>
             <a:pPr marL="457200" lvl="0" indent="-342900" algn="l" rtl="0">
@@ -21941,10 +21927,10 @@
               <a:buChar char="●"/>
             </a:pPr>
             <a:r>
-              <a:rPr lang="en" sz="1800"/>
+              <a:rPr lang="en" sz="1800" dirty="0"/>
               <a:t>controls the content &amp; structure</a:t>
             </a:r>
-            <a:endParaRPr sz="1800"/>
+            <a:endParaRPr sz="1800" dirty="0"/>
           </a:p>
           <a:p>
             <a:pPr marL="0" lvl="0" indent="0" algn="l" rtl="0">
@@ -21957,14 +21943,14 @@
               <a:buNone/>
             </a:pPr>
             <a:r>
-              <a:rPr lang="en" b="1"/>
+              <a:rPr lang="en" b="1" dirty="0"/>
               <a:t>CSS</a:t>
             </a:r>
             <a:r>
-              <a:rPr lang="en"/>
+              <a:rPr lang="en" dirty="0"/>
               <a:t> (Cascading Style Sheets)</a:t>
             </a:r>
-            <a:endParaRPr/>
+            <a:endParaRPr dirty="0"/>
           </a:p>
           <a:p>
             <a:pPr marL="457200" lvl="0" indent="-342900" algn="l" rtl="0">
@@ -21978,10 +21964,10 @@
               <a:buChar char="●"/>
             </a:pPr>
             <a:r>
-              <a:rPr lang="en" sz="1800"/>
+              <a:rPr lang="en" sz="1800" dirty="0"/>
               <a:t>controls the style, colors, layout, fonts, etc.</a:t>
             </a:r>
-            <a:endParaRPr/>
+            <a:endParaRPr dirty="0"/>
           </a:p>
           <a:p>
             <a:pPr marL="0" lvl="0" indent="0" algn="l" rtl="0">
@@ -21994,10 +21980,10 @@
               <a:buNone/>
             </a:pPr>
             <a:r>
-              <a:rPr lang="en" b="1"/>
+              <a:rPr lang="en" b="1" dirty="0"/>
               <a:t>JavaScript</a:t>
             </a:r>
-            <a:endParaRPr b="1"/>
+            <a:endParaRPr b="1" dirty="0"/>
           </a:p>
           <a:p>
             <a:pPr marL="457200" lvl="0" indent="-342900" algn="l" rtl="0">
@@ -22011,10 +21997,10 @@
               <a:buChar char="●"/>
             </a:pPr>
             <a:r>
-              <a:rPr lang="en" sz="1800"/>
+              <a:rPr lang="en" sz="1800" dirty="0"/>
               <a:t>controls movement and interactivity</a:t>
             </a:r>
-            <a:endParaRPr sz="1800"/>
+            <a:endParaRPr sz="1800" dirty="0"/>
           </a:p>
           <a:p>
             <a:pPr marL="457200" lvl="0" indent="-342900" algn="l" rtl="0">
@@ -22028,10 +22014,10 @@
               <a:buChar char="●"/>
             </a:pPr>
             <a:r>
-              <a:rPr lang="en" sz="1800"/>
+              <a:rPr lang="en" sz="1800" dirty="0"/>
               <a:t>can communicate with and transmit data to and from servers without refreshing the page</a:t>
             </a:r>
-            <a:endParaRPr sz="1800"/>
+            <a:endParaRPr sz="1800" dirty="0"/>
           </a:p>
           <a:p>
             <a:pPr marL="457200" lvl="0" indent="-342900" algn="l" rtl="0">
@@ -22045,51 +22031,10 @@
               <a:buChar char="●"/>
             </a:pPr>
             <a:r>
-              <a:rPr lang="en" sz="1800"/>
+              <a:rPr lang="en" sz="1800" dirty="0"/>
               <a:t>can interact with local data stores </a:t>
             </a:r>
-            <a:endParaRPr sz="1800"/>
-          </a:p>
-          <a:p>
-            <a:pPr marL="0" lvl="0" indent="0" algn="l" rtl="0">
-              <a:spcBef>
-                <a:spcPts val="0"/>
-              </a:spcBef>
-              <a:spcAft>
-                <a:spcPts val="0"/>
-              </a:spcAft>
-              <a:buNone/>
-            </a:pPr>
-            <a:endParaRPr/>
-          </a:p>
-          <a:p>
-            <a:pPr marL="0" lvl="0" indent="0" algn="l" rtl="0">
-              <a:spcBef>
-                <a:spcPts val="0"/>
-              </a:spcBef>
-              <a:spcAft>
-                <a:spcPts val="0"/>
-              </a:spcAft>
-              <a:buNone/>
-            </a:pPr>
-            <a:r>
-              <a:rPr lang="en"/>
-              <a:t>Demo: </a:t>
-            </a:r>
-            <a:r>
-              <a:rPr lang="en" u="sng">
-                <a:solidFill>
-                  <a:schemeClr val="hlink"/>
-                </a:solidFill>
-                <a:hlinkClick r:id="rId3"/>
-              </a:rPr>
-              <a:t>https://codepen.io/vanwars/pen/MRaaXL?editors=1000</a:t>
-            </a:r>
-            <a:r>
-              <a:rPr lang="en"/>
-              <a:t> </a:t>
-            </a:r>
-            <a:endParaRPr/>
+            <a:endParaRPr sz="1800" dirty="0"/>
           </a:p>
         </p:txBody>
       </p:sp>
@@ -22678,128 +22623,6 @@
                       </p:childTnLst>
                     </p:cTn>
                   </p:par>
-                  <p:par>
-                    <p:cTn id="43" fill="hold">
-                      <p:stCondLst>
-                        <p:cond delay="indefinite"/>
-                      </p:stCondLst>
-                      <p:childTnLst>
-                        <p:par>
-                          <p:cTn id="44" fill="hold">
-                            <p:stCondLst>
-                              <p:cond delay="0"/>
-                            </p:stCondLst>
-                            <p:childTnLst>
-                              <p:par>
-                                <p:cTn id="45" presetID="10" presetClass="entr" presetSubtype="0" fill="hold" nodeType="clickEffect">
-                                  <p:stCondLst>
-                                    <p:cond delay="0"/>
-                                  </p:stCondLst>
-                                  <p:childTnLst>
-                                    <p:set>
-                                      <p:cBhvr>
-                                        <p:cTn id="46" dur="1" fill="hold">
-                                          <p:stCondLst>
-                                            <p:cond delay="0"/>
-                                          </p:stCondLst>
-                                        </p:cTn>
-                                        <p:tgtEl>
-                                          <p:spTgt spid="82">
-                                            <p:txEl>
-                                              <p:pRg st="8" end="8"/>
-                                            </p:txEl>
-                                          </p:spTgt>
-                                        </p:tgtEl>
-                                        <p:attrNameLst>
-                                          <p:attrName>style.visibility</p:attrName>
-                                        </p:attrNameLst>
-                                      </p:cBhvr>
-                                      <p:to>
-                                        <p:strVal val="visible"/>
-                                      </p:to>
-                                    </p:set>
-                                    <p:animEffect transition="in" filter="fade">
-                                      <p:cBhvr>
-                                        <p:cTn id="47" dur="1"/>
-                                        <p:tgtEl>
-                                          <p:spTgt spid="82">
-                                            <p:txEl>
-                                              <p:pRg st="8" end="8"/>
-                                            </p:txEl>
-                                          </p:spTgt>
-                                        </p:tgtEl>
-                                      </p:cBhvr>
-                                    </p:animEffect>
-                                  </p:childTnLst>
-                                </p:cTn>
-                              </p:par>
-                            </p:childTnLst>
-                          </p:cTn>
-                        </p:par>
-                      </p:childTnLst>
-                    </p:cTn>
-                  </p:par>
-                  <p:par>
-                    <p:cTn id="48" fill="hold">
-                      <p:stCondLst>
-                        <p:cond delay="indefinite"/>
-                      </p:stCondLst>
-                      <p:childTnLst>
-                        <p:par>
-                          <p:cTn id="49" fill="hold">
-                            <p:stCondLst>
-                              <p:cond delay="0"/>
-                            </p:stCondLst>
-                            <p:childTnLst>
-                              <p:par>
-                                <p:cTn id="50" presetID="10" presetClass="entr" presetSubtype="0" fill="hold" nodeType="clickEffect">
-                                  <p:stCondLst>
-                                    <p:cond delay="0"/>
-                                  </p:stCondLst>
-                                  <p:childTnLst>
-                                    <p:set>
-                                      <p:cBhvr>
-                                        <p:cTn id="51" dur="1" fill="hold">
-                                          <p:stCondLst>
-                                            <p:cond delay="0"/>
-                                          </p:stCondLst>
-                                        </p:cTn>
-                                        <p:tgtEl>
-                                          <p:spTgt spid="82">
-                                            <p:txEl>
-                                              <p:pRg st="9" end="9"/>
-                                            </p:txEl>
-                                          </p:spTgt>
-                                        </p:tgtEl>
-                                        <p:attrNameLst>
-                                          <p:attrName>style.visibility</p:attrName>
-                                        </p:attrNameLst>
-                                      </p:cBhvr>
-                                      <p:to>
-                                        <p:strVal val="visible"/>
-                                      </p:to>
-                                    </p:set>
-                                    <p:animEffect transition="in" filter="fade">
-                                      <p:cBhvr>
-                                        <p:cTn id="52" dur="1"/>
-                                        <p:tgtEl>
-                                          <p:spTgt spid="82">
-                                            <p:txEl>
-                                              <p:pRg st="9" end="9"/>
-                                            </p:txEl>
-                                          </p:spTgt>
-                                        </p:tgtEl>
-                                      </p:cBhvr>
-                                    </p:animEffect>
-                                  </p:childTnLst>
-                                </p:cTn>
-                              </p:par>
-                            </p:childTnLst>
-                          </p:cTn>
-                        </p:par>
-                      </p:childTnLst>
-                    </p:cTn>
-                  </p:par>
                 </p:childTnLst>
               </p:cTn>
               <p:prevCondLst>
@@ -23531,7 +23354,7 @@
         </p:spPr>
         <p:txBody>
           <a:bodyPr spcFirstLastPara="1" wrap="square" lIns="91425" tIns="91425" rIns="91425" bIns="91425" anchor="t" anchorCtr="0">
-            <a:normAutofit fontScale="92500"/>
+            <a:normAutofit fontScale="92500" lnSpcReduction="20000"/>
           </a:bodyPr>
           <a:lstStyle/>
           <a:p>
@@ -23852,7 +23675,7 @@
         </p:spPr>
         <p:txBody>
           <a:bodyPr spcFirstLastPara="1" wrap="square" lIns="91425" tIns="91425" rIns="91425" bIns="91425" anchor="t" anchorCtr="0">
-            <a:normAutofit fontScale="92500"/>
+            <a:normAutofit fontScale="92500" lnSpcReduction="20000"/>
           </a:bodyPr>
           <a:lstStyle/>
           <a:p>
